--- a/wpfEx01/wpfEx01/result_v1.4_250916/result_v1.4_250916.pptx
+++ b/wpfEx01/wpfEx01/result_v1.4_250916/result_v1.4_250916.pptx
@@ -5,8 +5,10 @@
     <p:sldMasterId id="2147483648" r:id="rId1"/>
   </p:sldMasterIdLst>
   <p:sldIdLst>
-    <p:sldId id="256" r:id="rId2"/>
-    <p:sldId id="257" r:id="rId3"/>
+    <p:sldId id="259" r:id="rId2"/>
+    <p:sldId id="260" r:id="rId3"/>
+    <p:sldId id="261" r:id="rId4"/>
+    <p:sldId id="262" r:id="rId5"/>
   </p:sldIdLst>
   <p:sldSz cx="12192000" cy="6858000"/>
   <p:notesSz cx="6858000" cy="9144000"/>
@@ -3327,317 +3329,29 @@
           <a:chExt cx="0" cy="0"/>
         </a:xfrm>
       </p:grpSpPr>
-      <p:pic>
-        <p:nvPicPr>
-          <p:cNvPr id="5" name="그림 4">
-            <a:extLst>
-              <a:ext uri="{FF2B5EF4-FFF2-40B4-BE49-F238E27FC236}">
-                <a16:creationId xmlns:a16="http://schemas.microsoft.com/office/drawing/2014/main" id="{FB5E1B58-821F-C3F1-4D43-5F6B972A3893}"/>
-              </a:ext>
-            </a:extLst>
-          </p:cNvPr>
-          <p:cNvPicPr>
-            <a:picLocks noChangeAspect="1"/>
-          </p:cNvPicPr>
-          <p:nvPr/>
-        </p:nvPicPr>
-        <p:blipFill>
-          <a:blip r:embed="rId2">
-            <a:extLst>
-              <a:ext uri="{28A0092B-C50C-407E-A947-70E740481C1C}">
-                <a14:useLocalDpi xmlns:a14="http://schemas.microsoft.com/office/drawing/2010/main" val="0"/>
-              </a:ext>
-            </a:extLst>
-          </a:blip>
-          <a:srcRect/>
-          <a:stretch/>
-        </p:blipFill>
-        <p:spPr>
-          <a:xfrm>
-            <a:off x="258656" y="256653"/>
-            <a:ext cx="3753213" cy="3064200"/>
-          </a:xfrm>
-          <a:prstGeom prst="rect">
-            <a:avLst/>
-          </a:prstGeom>
-        </p:spPr>
-      </p:pic>
-      <p:pic>
-        <p:nvPicPr>
-          <p:cNvPr id="7" name="그림 6">
-            <a:extLst>
-              <a:ext uri="{FF2B5EF4-FFF2-40B4-BE49-F238E27FC236}">
-                <a16:creationId xmlns:a16="http://schemas.microsoft.com/office/drawing/2014/main" id="{D720AA86-D72D-591E-D2A4-49BF14801813}"/>
-              </a:ext>
-            </a:extLst>
-          </p:cNvPr>
-          <p:cNvPicPr>
-            <a:picLocks noChangeAspect="1"/>
-          </p:cNvPicPr>
-          <p:nvPr/>
-        </p:nvPicPr>
-        <p:blipFill>
-          <a:blip r:embed="rId3">
-            <a:extLst>
-              <a:ext uri="{28A0092B-C50C-407E-A947-70E740481C1C}">
-                <a14:useLocalDpi xmlns:a14="http://schemas.microsoft.com/office/drawing/2010/main" val="0"/>
-              </a:ext>
-            </a:extLst>
-          </a:blip>
-          <a:srcRect/>
-          <a:stretch/>
-        </p:blipFill>
-        <p:spPr>
-          <a:xfrm>
-            <a:off x="4165152" y="256654"/>
-            <a:ext cx="3753212" cy="3071165"/>
-          </a:xfrm>
-          <a:prstGeom prst="rect">
-            <a:avLst/>
-          </a:prstGeom>
-        </p:spPr>
-      </p:pic>
-      <p:pic>
-        <p:nvPicPr>
-          <p:cNvPr id="9" name="그림 8">
-            <a:extLst>
-              <a:ext uri="{FF2B5EF4-FFF2-40B4-BE49-F238E27FC236}">
-                <a16:creationId xmlns:a16="http://schemas.microsoft.com/office/drawing/2014/main" id="{F939EFFA-2023-536A-14B5-7888A024E1FC}"/>
-              </a:ext>
-            </a:extLst>
-          </p:cNvPr>
-          <p:cNvPicPr>
-            <a:picLocks noChangeAspect="1"/>
-          </p:cNvPicPr>
-          <p:nvPr/>
-        </p:nvPicPr>
-        <p:blipFill>
-          <a:blip r:embed="rId4">
-            <a:extLst>
-              <a:ext uri="{28A0092B-C50C-407E-A947-70E740481C1C}">
-                <a14:useLocalDpi xmlns:a14="http://schemas.microsoft.com/office/drawing/2010/main" val="0"/>
-              </a:ext>
-            </a:extLst>
-          </a:blip>
-          <a:srcRect/>
-          <a:stretch/>
-        </p:blipFill>
-        <p:spPr>
-          <a:xfrm>
-            <a:off x="258657" y="3603071"/>
-            <a:ext cx="3753211" cy="3064200"/>
-          </a:xfrm>
-          <a:prstGeom prst="rect">
-            <a:avLst/>
-          </a:prstGeom>
-        </p:spPr>
-      </p:pic>
-      <p:pic>
-        <p:nvPicPr>
-          <p:cNvPr id="11" name="그림 10">
-            <a:extLst>
-              <a:ext uri="{FF2B5EF4-FFF2-40B4-BE49-F238E27FC236}">
-                <a16:creationId xmlns:a16="http://schemas.microsoft.com/office/drawing/2014/main" id="{5B0B598B-BB9C-B68D-AC03-623B87B8CA1B}"/>
-              </a:ext>
-            </a:extLst>
-          </p:cNvPr>
-          <p:cNvPicPr>
-            <a:picLocks noChangeAspect="1"/>
-          </p:cNvPicPr>
-          <p:nvPr/>
-        </p:nvPicPr>
-        <p:blipFill>
-          <a:blip r:embed="rId5">
-            <a:extLst>
-              <a:ext uri="{28A0092B-C50C-407E-A947-70E740481C1C}">
-                <a14:useLocalDpi xmlns:a14="http://schemas.microsoft.com/office/drawing/2010/main" val="0"/>
-              </a:ext>
-            </a:extLst>
-          </a:blip>
-          <a:srcRect/>
-          <a:stretch/>
-        </p:blipFill>
-        <p:spPr>
-          <a:xfrm>
-            <a:off x="4165152" y="3603070"/>
-            <a:ext cx="3753212" cy="3071165"/>
-          </a:xfrm>
-          <a:prstGeom prst="rect">
-            <a:avLst/>
-          </a:prstGeom>
-        </p:spPr>
-      </p:pic>
-      <p:cxnSp>
-        <p:nvCxnSpPr>
-          <p:cNvPr id="13" name="연결선: 꺾임 12">
-            <a:extLst>
-              <a:ext uri="{FF2B5EF4-FFF2-40B4-BE49-F238E27FC236}">
-                <a16:creationId xmlns:a16="http://schemas.microsoft.com/office/drawing/2014/main" id="{4985CCF5-E9AA-585A-C18A-CA02DC041573}"/>
-              </a:ext>
-            </a:extLst>
-          </p:cNvPr>
-          <p:cNvCxnSpPr>
-            <a:cxnSpLocks/>
-          </p:cNvCxnSpPr>
-          <p:nvPr/>
-        </p:nvCxnSpPr>
-        <p:spPr>
-          <a:xfrm>
-            <a:off x="7951875" y="1792237"/>
-            <a:ext cx="12700" cy="3346416"/>
-          </a:xfrm>
-          <a:prstGeom prst="bentConnector3">
-            <a:avLst>
-              <a:gd name="adj1" fmla="val 3797906"/>
-            </a:avLst>
-          </a:prstGeom>
-          <a:ln>
-            <a:solidFill>
-              <a:srgbClr val="FF0000"/>
-            </a:solidFill>
-            <a:tailEnd type="triangle"/>
-          </a:ln>
-        </p:spPr>
-        <p:style>
-          <a:lnRef idx="2">
-            <a:schemeClr val="accent2"/>
-          </a:lnRef>
-          <a:fillRef idx="0">
-            <a:schemeClr val="accent2"/>
-          </a:fillRef>
-          <a:effectRef idx="1">
-            <a:schemeClr val="accent2"/>
-          </a:effectRef>
-          <a:fontRef idx="minor">
-            <a:schemeClr val="tx1"/>
-          </a:fontRef>
-        </p:style>
-      </p:cxnSp>
-      <p:sp>
-        <p:nvSpPr>
-          <p:cNvPr id="15" name="TextBox 14">
-            <a:extLst>
-              <a:ext uri="{FF2B5EF4-FFF2-40B4-BE49-F238E27FC236}">
-                <a16:creationId xmlns:a16="http://schemas.microsoft.com/office/drawing/2014/main" id="{42383868-CEED-0624-432A-287AA0EA5381}"/>
-              </a:ext>
-            </a:extLst>
-          </p:cNvPr>
-          <p:cNvSpPr txBox="1"/>
-          <p:nvPr/>
-        </p:nvSpPr>
-        <p:spPr>
-          <a:xfrm>
-            <a:off x="8780155" y="3301783"/>
-            <a:ext cx="2984234" cy="369332"/>
-          </a:xfrm>
-          <a:prstGeom prst="rect">
-            <a:avLst/>
-          </a:prstGeom>
-          <a:noFill/>
-        </p:spPr>
-        <p:txBody>
-          <a:bodyPr wrap="square" rtlCol="0">
-            <a:spAutoFit/>
-          </a:bodyPr>
-          <a:lstStyle/>
-          <a:p>
-            <a:pPr algn="ctr"/>
-            <a:r>
-              <a:rPr lang="en-US" altLang="ko-KR" b="1" dirty="0">
-                <a:solidFill>
-                  <a:srgbClr val="FF0000"/>
-                </a:solidFill>
-                <a:latin typeface="나눔스퀘어 ExtraBold" panose="020B0600000101010101" pitchFamily="50" charset="-127"/>
-                <a:ea typeface="나눔스퀘어 ExtraBold" panose="020B0600000101010101" pitchFamily="50" charset="-127"/>
-              </a:rPr>
-              <a:t>Contrast Up 5 </a:t>
-            </a:r>
-            <a:r>
-              <a:rPr lang="ko-KR" altLang="en-US" b="1" dirty="0">
-                <a:solidFill>
-                  <a:srgbClr val="FF0000"/>
-                </a:solidFill>
-                <a:latin typeface="나눔스퀘어 ExtraBold" panose="020B0600000101010101" pitchFamily="50" charset="-127"/>
-                <a:ea typeface="나눔스퀘어 ExtraBold" panose="020B0600000101010101" pitchFamily="50" charset="-127"/>
-              </a:rPr>
-              <a:t>적용 결과</a:t>
-            </a:r>
-          </a:p>
-        </p:txBody>
-      </p:sp>
-      <p:cxnSp>
-        <p:nvCxnSpPr>
-          <p:cNvPr id="18" name="직선 연결선 17">
-            <a:extLst>
-              <a:ext uri="{FF2B5EF4-FFF2-40B4-BE49-F238E27FC236}">
-                <a16:creationId xmlns:a16="http://schemas.microsoft.com/office/drawing/2014/main" id="{CF13E895-6CA7-C58F-8143-13625B8933B8}"/>
-              </a:ext>
-            </a:extLst>
-          </p:cNvPr>
-          <p:cNvCxnSpPr>
-            <a:cxnSpLocks/>
-          </p:cNvCxnSpPr>
-          <p:nvPr/>
-        </p:nvCxnSpPr>
-        <p:spPr>
-          <a:xfrm flipH="1">
-            <a:off x="8430672" y="3486449"/>
-            <a:ext cx="349483" cy="0"/>
-          </a:xfrm>
-          <a:prstGeom prst="line">
-            <a:avLst/>
-          </a:prstGeom>
-          <a:ln>
-            <a:solidFill>
-              <a:srgbClr val="FF0000"/>
-            </a:solidFill>
-          </a:ln>
-        </p:spPr>
-        <p:style>
-          <a:lnRef idx="2">
-            <a:schemeClr val="accent1"/>
-          </a:lnRef>
-          <a:fillRef idx="0">
-            <a:schemeClr val="accent1"/>
-          </a:fillRef>
-          <a:effectRef idx="1">
-            <a:schemeClr val="accent1"/>
-          </a:effectRef>
-          <a:fontRef idx="minor">
-            <a:schemeClr val="tx1"/>
-          </a:fontRef>
-        </p:style>
-      </p:cxnSp>
-      <p:sp>
-        <p:nvSpPr>
-          <p:cNvPr id="3" name="TextBox 2">
-            <a:extLst>
-              <a:ext uri="{FF2B5EF4-FFF2-40B4-BE49-F238E27FC236}">
-                <a16:creationId xmlns:a16="http://schemas.microsoft.com/office/drawing/2014/main" id="{F37D4A3C-378C-3F9A-E503-840DBCF0EAA8}"/>
-              </a:ext>
-            </a:extLst>
-          </p:cNvPr>
-          <p:cNvSpPr txBox="1"/>
-          <p:nvPr/>
-        </p:nvSpPr>
-        <p:spPr>
-          <a:xfrm>
-            <a:off x="8025163" y="256653"/>
-            <a:ext cx="4047390" cy="646331"/>
-          </a:xfrm>
-          <a:prstGeom prst="rect">
-            <a:avLst/>
-          </a:prstGeom>
-          <a:noFill/>
-        </p:spPr>
-        <p:txBody>
-          <a:bodyPr wrap="none" rtlCol="0">
-            <a:spAutoFit/>
-          </a:bodyPr>
-          <a:lstStyle/>
-          <a:p>
-            <a:r>
-              <a:rPr lang="en-US" altLang="ko-KR" sz="3600" dirty="0">
+      <p:sp>
+        <p:nvSpPr>
+          <p:cNvPr id="2" name="제목 1">
+            <a:extLst>
+              <a:ext uri="{FF2B5EF4-FFF2-40B4-BE49-F238E27FC236}">
+                <a16:creationId xmlns:a16="http://schemas.microsoft.com/office/drawing/2014/main" id="{64319DBE-7E7B-3B58-30D8-AEF519CE5F6C}"/>
+              </a:ext>
+            </a:extLst>
+          </p:cNvPr>
+          <p:cNvSpPr>
+            <a:spLocks noGrp="1"/>
+          </p:cNvSpPr>
+          <p:nvPr>
+            <p:ph type="title"/>
+          </p:nvPr>
+        </p:nvSpPr>
+        <p:spPr/>
+        <p:txBody>
+          <a:bodyPr anchor="t"/>
+          <a:lstStyle/>
+          <a:p>
+            <a:r>
+              <a:rPr lang="en-US" altLang="ko-KR" dirty="0">
                 <a:solidFill>
                   <a:schemeClr val="bg1">
                     <a:lumMod val="50000"/>
@@ -3646,29 +3360,158 @@
                 <a:latin typeface="나눔스퀘어 ExtraBold" panose="020B0600000101010101" pitchFamily="50" charset="-127"/>
                 <a:ea typeface="나눔스퀘어 ExtraBold" panose="020B0600000101010101" pitchFamily="50" charset="-127"/>
               </a:rPr>
-              <a:t>Contrast </a:t>
-            </a:r>
-            <a:r>
-              <a:rPr lang="ko-KR" altLang="en-US" sz="3600" dirty="0">
-                <a:solidFill>
-                  <a:schemeClr val="bg1">
-                    <a:lumMod val="50000"/>
-                  </a:schemeClr>
-                </a:solidFill>
-                <a:latin typeface="나눔스퀘어 ExtraBold" panose="020B0600000101010101" pitchFamily="50" charset="-127"/>
-                <a:ea typeface="나눔스퀘어 ExtraBold" panose="020B0600000101010101" pitchFamily="50" charset="-127"/>
-              </a:rPr>
-              <a:t>적용 결과</a:t>
-            </a:r>
-          </a:p>
-        </p:txBody>
-      </p:sp>
+              <a:t>Contrast Up</a:t>
+            </a:r>
+            <a:endParaRPr lang="ko-KR" altLang="en-US" dirty="0"/>
+          </a:p>
+        </p:txBody>
+      </p:sp>
+      <p:pic>
+        <p:nvPicPr>
+          <p:cNvPr id="4" name="그림 3">
+            <a:extLst>
+              <a:ext uri="{FF2B5EF4-FFF2-40B4-BE49-F238E27FC236}">
+                <a16:creationId xmlns:a16="http://schemas.microsoft.com/office/drawing/2014/main" id="{04659243-A387-034C-0704-201768BDD00D}"/>
+              </a:ext>
+            </a:extLst>
+          </p:cNvPr>
+          <p:cNvPicPr>
+            <a:picLocks noChangeAspect="1"/>
+          </p:cNvPicPr>
+          <p:nvPr/>
+        </p:nvPicPr>
+        <p:blipFill>
+          <a:blip r:embed="rId2">
+            <a:extLst>
+              <a:ext uri="{28A0092B-C50C-407E-A947-70E740481C1C}">
+                <a14:useLocalDpi xmlns:a14="http://schemas.microsoft.com/office/drawing/2010/main" val="0"/>
+              </a:ext>
+            </a:extLst>
+          </a:blip>
+          <a:srcRect/>
+          <a:stretch/>
+        </p:blipFill>
+        <p:spPr>
+          <a:xfrm>
+            <a:off x="838202" y="1643704"/>
+            <a:ext cx="2880000" cy="2351291"/>
+          </a:xfrm>
+          <a:prstGeom prst="rect">
+            <a:avLst/>
+          </a:prstGeom>
+        </p:spPr>
+      </p:pic>
+      <p:pic>
+        <p:nvPicPr>
+          <p:cNvPr id="5" name="그림 4">
+            <a:extLst>
+              <a:ext uri="{FF2B5EF4-FFF2-40B4-BE49-F238E27FC236}">
+                <a16:creationId xmlns:a16="http://schemas.microsoft.com/office/drawing/2014/main" id="{37E28C45-1AF7-2D1B-D821-91A3B1DA7017}"/>
+              </a:ext>
+            </a:extLst>
+          </p:cNvPr>
+          <p:cNvPicPr>
+            <a:picLocks noChangeAspect="1"/>
+          </p:cNvPicPr>
+          <p:nvPr/>
+        </p:nvPicPr>
+        <p:blipFill>
+          <a:blip r:embed="rId3">
+            <a:extLst>
+              <a:ext uri="{28A0092B-C50C-407E-A947-70E740481C1C}">
+                <a14:useLocalDpi xmlns:a14="http://schemas.microsoft.com/office/drawing/2010/main" val="0"/>
+              </a:ext>
+            </a:extLst>
+          </a:blip>
+          <a:srcRect/>
+          <a:stretch/>
+        </p:blipFill>
+        <p:spPr>
+          <a:xfrm>
+            <a:off x="3887796" y="1644195"/>
+            <a:ext cx="2872868" cy="2350800"/>
+          </a:xfrm>
+          <a:prstGeom prst="rect">
+            <a:avLst/>
+          </a:prstGeom>
+        </p:spPr>
+      </p:pic>
+      <p:pic>
+        <p:nvPicPr>
+          <p:cNvPr id="6" name="그림 5">
+            <a:extLst>
+              <a:ext uri="{FF2B5EF4-FFF2-40B4-BE49-F238E27FC236}">
+                <a16:creationId xmlns:a16="http://schemas.microsoft.com/office/drawing/2014/main" id="{C2D92494-433A-0EC7-4B50-4551B5F5AA91}"/>
+              </a:ext>
+            </a:extLst>
+          </p:cNvPr>
+          <p:cNvPicPr>
+            <a:picLocks noChangeAspect="1"/>
+          </p:cNvPicPr>
+          <p:nvPr/>
+        </p:nvPicPr>
+        <p:blipFill>
+          <a:blip r:embed="rId4">
+            <a:extLst>
+              <a:ext uri="{28A0092B-C50C-407E-A947-70E740481C1C}">
+                <a14:useLocalDpi xmlns:a14="http://schemas.microsoft.com/office/drawing/2010/main" val="0"/>
+              </a:ext>
+            </a:extLst>
+          </a:blip>
+          <a:srcRect/>
+          <a:stretch/>
+        </p:blipFill>
+        <p:spPr>
+          <a:xfrm>
+            <a:off x="838202" y="4243279"/>
+            <a:ext cx="2880000" cy="2351292"/>
+          </a:xfrm>
+          <a:prstGeom prst="rect">
+            <a:avLst/>
+          </a:prstGeom>
+        </p:spPr>
+      </p:pic>
+      <p:pic>
+        <p:nvPicPr>
+          <p:cNvPr id="7" name="그림 6">
+            <a:extLst>
+              <a:ext uri="{FF2B5EF4-FFF2-40B4-BE49-F238E27FC236}">
+                <a16:creationId xmlns:a16="http://schemas.microsoft.com/office/drawing/2014/main" id="{AC1214A0-8DAC-E024-A953-72046ED2DF0F}"/>
+              </a:ext>
+            </a:extLst>
+          </p:cNvPr>
+          <p:cNvPicPr>
+            <a:picLocks noChangeAspect="1"/>
+          </p:cNvPicPr>
+          <p:nvPr/>
+        </p:nvPicPr>
+        <p:blipFill>
+          <a:blip r:embed="rId5">
+            <a:extLst>
+              <a:ext uri="{28A0092B-C50C-407E-A947-70E740481C1C}">
+                <a14:useLocalDpi xmlns:a14="http://schemas.microsoft.com/office/drawing/2010/main" val="0"/>
+              </a:ext>
+            </a:extLst>
+          </a:blip>
+          <a:srcRect/>
+          <a:stretch/>
+        </p:blipFill>
+        <p:spPr>
+          <a:xfrm>
+            <a:off x="3887796" y="4243279"/>
+            <a:ext cx="2880000" cy="2356636"/>
+          </a:xfrm>
+          <a:prstGeom prst="rect">
+            <a:avLst/>
+          </a:prstGeom>
+        </p:spPr>
+      </p:pic>
       <p:cxnSp>
         <p:nvCxnSpPr>
-          <p:cNvPr id="6" name="직선 화살표 연결선 5">
-            <a:extLst>
-              <a:ext uri="{FF2B5EF4-FFF2-40B4-BE49-F238E27FC236}">
-                <a16:creationId xmlns:a16="http://schemas.microsoft.com/office/drawing/2014/main" id="{19098187-0154-80BD-BE17-C2336C7E9D3D}"/>
+          <p:cNvPr id="8" name="직선 화살표 연결선 7">
+            <a:extLst>
+              <a:ext uri="{FF2B5EF4-FFF2-40B4-BE49-F238E27FC236}">
+                <a16:creationId xmlns:a16="http://schemas.microsoft.com/office/drawing/2014/main" id="{FB779C33-D5DC-27EE-6A59-EF1D5A5485EB}"/>
               </a:ext>
             </a:extLst>
           </p:cNvPr>
@@ -3679,8 +3522,8 @@
         </p:nvCxnSpPr>
         <p:spPr>
           <a:xfrm>
-            <a:off x="4011869" y="3299548"/>
-            <a:ext cx="4162647" cy="0"/>
+            <a:off x="3718202" y="3974574"/>
+            <a:ext cx="3324114" cy="0"/>
           </a:xfrm>
           <a:prstGeom prst="straightConnector1">
             <a:avLst/>
@@ -3709,10 +3552,10 @@
       </p:cxnSp>
       <p:cxnSp>
         <p:nvCxnSpPr>
-          <p:cNvPr id="8" name="직선 화살표 연결선 7">
-            <a:extLst>
-              <a:ext uri="{FF2B5EF4-FFF2-40B4-BE49-F238E27FC236}">
-                <a16:creationId xmlns:a16="http://schemas.microsoft.com/office/drawing/2014/main" id="{9F947DE2-C001-9126-9ECA-77E4257DF661}"/>
+          <p:cNvPr id="9" name="직선 화살표 연결선 8">
+            <a:extLst>
+              <a:ext uri="{FF2B5EF4-FFF2-40B4-BE49-F238E27FC236}">
+                <a16:creationId xmlns:a16="http://schemas.microsoft.com/office/drawing/2014/main" id="{FC601E7B-BAE6-432F-0F50-5C4B015A977D}"/>
               </a:ext>
             </a:extLst>
           </p:cNvPr>
@@ -3723,8 +3566,8 @@
         </p:nvCxnSpPr>
         <p:spPr>
           <a:xfrm flipV="1">
-            <a:off x="4184577" y="49572"/>
-            <a:ext cx="0" cy="3436877"/>
+            <a:off x="3905555" y="1383569"/>
+            <a:ext cx="0" cy="2813209"/>
           </a:xfrm>
           <a:prstGeom prst="straightConnector1">
             <a:avLst/>
@@ -3753,10 +3596,10 @@
       </p:cxnSp>
       <p:sp>
         <p:nvSpPr>
-          <p:cNvPr id="17" name="TextBox 16">
-            <a:extLst>
-              <a:ext uri="{FF2B5EF4-FFF2-40B4-BE49-F238E27FC236}">
-                <a16:creationId xmlns:a16="http://schemas.microsoft.com/office/drawing/2014/main" id="{E95656ED-B853-534D-DD9E-6B1F50444920}"/>
+          <p:cNvPr id="10" name="TextBox 9">
+            <a:extLst>
+              <a:ext uri="{FF2B5EF4-FFF2-40B4-BE49-F238E27FC236}">
+                <a16:creationId xmlns:a16="http://schemas.microsoft.com/office/drawing/2014/main" id="{DB94B1A2-8AD6-9304-C017-9BCF6C0284B6}"/>
               </a:ext>
             </a:extLst>
           </p:cNvPr>
@@ -3765,8 +3608,8 @@
         </p:nvSpPr>
         <p:spPr>
           <a:xfrm>
-            <a:off x="3770639" y="3273377"/>
-            <a:ext cx="439544" cy="584775"/>
+            <a:off x="3606144" y="3974001"/>
+            <a:ext cx="327334" cy="369332"/>
           </a:xfrm>
           <a:prstGeom prst="rect">
             <a:avLst/>
@@ -3780,7 +3623,7 @@
           <a:lstStyle/>
           <a:p>
             <a:r>
-              <a:rPr lang="en-US" altLang="ko-KR" sz="3200" dirty="0">
+              <a:rPr lang="en-US" altLang="ko-KR" dirty="0">
                 <a:solidFill>
                   <a:srgbClr val="FF0000"/>
                 </a:solidFill>
@@ -3789,7 +3632,7 @@
               </a:rPr>
               <a:t>0</a:t>
             </a:r>
-            <a:endParaRPr lang="ko-KR" altLang="en-US" sz="3200" dirty="0">
+            <a:endParaRPr lang="ko-KR" altLang="en-US" dirty="0">
               <a:solidFill>
                 <a:srgbClr val="FF0000"/>
               </a:solidFill>
@@ -3801,10 +3644,10 @@
       </p:sp>
       <p:sp>
         <p:nvSpPr>
-          <p:cNvPr id="19" name="TextBox 18">
-            <a:extLst>
-              <a:ext uri="{FF2B5EF4-FFF2-40B4-BE49-F238E27FC236}">
-                <a16:creationId xmlns:a16="http://schemas.microsoft.com/office/drawing/2014/main" id="{59BF8E6B-D018-A40D-567E-FE22F27F8992}"/>
+          <p:cNvPr id="11" name="TextBox 10">
+            <a:extLst>
+              <a:ext uri="{FF2B5EF4-FFF2-40B4-BE49-F238E27FC236}">
+                <a16:creationId xmlns:a16="http://schemas.microsoft.com/office/drawing/2014/main" id="{52903C5B-8C1A-955D-6DB6-54A962EFD9B6}"/>
               </a:ext>
             </a:extLst>
           </p:cNvPr>
@@ -3813,7 +3656,7 @@
         </p:nvSpPr>
         <p:spPr>
           <a:xfrm>
-            <a:off x="7464569" y="2672787"/>
+            <a:off x="6336509" y="3290637"/>
             <a:ext cx="848309" cy="523220"/>
           </a:xfrm>
           <a:prstGeom prst="rect">
@@ -3885,10 +3728,10 @@
       </p:sp>
       <p:sp>
         <p:nvSpPr>
-          <p:cNvPr id="20" name="TextBox 19">
-            <a:extLst>
-              <a:ext uri="{FF2B5EF4-FFF2-40B4-BE49-F238E27FC236}">
-                <a16:creationId xmlns:a16="http://schemas.microsoft.com/office/drawing/2014/main" id="{87FC1491-B95D-C29D-9179-F37AB3F7AEEE}"/>
+          <p:cNvPr id="12" name="TextBox 11">
+            <a:extLst>
+              <a:ext uri="{FF2B5EF4-FFF2-40B4-BE49-F238E27FC236}">
+                <a16:creationId xmlns:a16="http://schemas.microsoft.com/office/drawing/2014/main" id="{9965D628-A255-5F23-A8E1-F588074E9CE0}"/>
               </a:ext>
             </a:extLst>
           </p:cNvPr>
@@ -3897,7 +3740,7 @@
         </p:nvSpPr>
         <p:spPr>
           <a:xfrm>
-            <a:off x="4579091" y="98024"/>
+            <a:off x="4017613" y="1699877"/>
             <a:ext cx="2076209" cy="738664"/>
           </a:xfrm>
           <a:prstGeom prst="rect">
@@ -4014,10 +3857,147 @@
           </a:p>
         </p:txBody>
       </p:sp>
+      <p:cxnSp>
+        <p:nvCxnSpPr>
+          <p:cNvPr id="16" name="연결선: 꺾임 15">
+            <a:extLst>
+              <a:ext uri="{FF2B5EF4-FFF2-40B4-BE49-F238E27FC236}">
+                <a16:creationId xmlns:a16="http://schemas.microsoft.com/office/drawing/2014/main" id="{9B815D55-E335-4791-BFFF-8587100ABB7A}"/>
+              </a:ext>
+            </a:extLst>
+          </p:cNvPr>
+          <p:cNvCxnSpPr>
+            <a:cxnSpLocks/>
+          </p:cNvCxnSpPr>
+          <p:nvPr/>
+        </p:nvCxnSpPr>
+        <p:spPr>
+          <a:xfrm>
+            <a:off x="6785555" y="2438541"/>
+            <a:ext cx="12700" cy="3346416"/>
+          </a:xfrm>
+          <a:prstGeom prst="bentConnector3">
+            <a:avLst>
+              <a:gd name="adj1" fmla="val 6172772"/>
+            </a:avLst>
+          </a:prstGeom>
+          <a:ln>
+            <a:solidFill>
+              <a:srgbClr val="FF0000"/>
+            </a:solidFill>
+            <a:tailEnd type="triangle"/>
+          </a:ln>
+        </p:spPr>
+        <p:style>
+          <a:lnRef idx="2">
+            <a:schemeClr val="accent2"/>
+          </a:lnRef>
+          <a:fillRef idx="0">
+            <a:schemeClr val="accent2"/>
+          </a:fillRef>
+          <a:effectRef idx="1">
+            <a:schemeClr val="accent2"/>
+          </a:effectRef>
+          <a:fontRef idx="minor">
+            <a:schemeClr val="tx1"/>
+          </a:fontRef>
+        </p:style>
+      </p:cxnSp>
+      <p:sp>
+        <p:nvSpPr>
+          <p:cNvPr id="17" name="TextBox 16">
+            <a:extLst>
+              <a:ext uri="{FF2B5EF4-FFF2-40B4-BE49-F238E27FC236}">
+                <a16:creationId xmlns:a16="http://schemas.microsoft.com/office/drawing/2014/main" id="{0A3F7F29-516B-580F-0E1F-FB7D927B6DC2}"/>
+              </a:ext>
+            </a:extLst>
+          </p:cNvPr>
+          <p:cNvSpPr txBox="1"/>
+          <p:nvPr/>
+        </p:nvSpPr>
+        <p:spPr>
+          <a:xfrm>
+            <a:off x="7925018" y="2542559"/>
+            <a:ext cx="1877601" cy="369332"/>
+          </a:xfrm>
+          <a:prstGeom prst="rect">
+            <a:avLst/>
+          </a:prstGeom>
+          <a:noFill/>
+        </p:spPr>
+        <p:txBody>
+          <a:bodyPr wrap="square" rtlCol="0">
+            <a:spAutoFit/>
+          </a:bodyPr>
+          <a:lstStyle/>
+          <a:p>
+            <a:r>
+              <a:rPr lang="en-US" altLang="ko-KR" b="1" dirty="0">
+                <a:solidFill>
+                  <a:srgbClr val="FF0000"/>
+                </a:solidFill>
+                <a:latin typeface="나눔스퀘어 ExtraBold" panose="020B0600000101010101" pitchFamily="50" charset="-127"/>
+                <a:ea typeface="나눔스퀘어 ExtraBold" panose="020B0600000101010101" pitchFamily="50" charset="-127"/>
+              </a:rPr>
+              <a:t>Contrast Up 5</a:t>
+            </a:r>
+            <a:endParaRPr lang="ko-KR" altLang="en-US" b="1" dirty="0">
+              <a:solidFill>
+                <a:srgbClr val="FF0000"/>
+              </a:solidFill>
+              <a:latin typeface="나눔스퀘어 ExtraBold" panose="020B0600000101010101" pitchFamily="50" charset="-127"/>
+              <a:ea typeface="나눔스퀘어 ExtraBold" panose="020B0600000101010101" pitchFamily="50" charset="-127"/>
+            </a:endParaRPr>
+          </a:p>
+        </p:txBody>
+      </p:sp>
+      <p:cxnSp>
+        <p:nvCxnSpPr>
+          <p:cNvPr id="18" name="직선 연결선 17">
+            <a:extLst>
+              <a:ext uri="{FF2B5EF4-FFF2-40B4-BE49-F238E27FC236}">
+                <a16:creationId xmlns:a16="http://schemas.microsoft.com/office/drawing/2014/main" id="{221A8F65-1ABA-491F-EA65-A6EC670973A8}"/>
+              </a:ext>
+            </a:extLst>
+          </p:cNvPr>
+          <p:cNvCxnSpPr>
+            <a:cxnSpLocks/>
+          </p:cNvCxnSpPr>
+          <p:nvPr/>
+        </p:nvCxnSpPr>
+        <p:spPr>
+          <a:xfrm flipH="1">
+            <a:off x="7575535" y="2727225"/>
+            <a:ext cx="349483" cy="0"/>
+          </a:xfrm>
+          <a:prstGeom prst="line">
+            <a:avLst/>
+          </a:prstGeom>
+          <a:ln>
+            <a:solidFill>
+              <a:srgbClr val="FF0000"/>
+            </a:solidFill>
+          </a:ln>
+        </p:spPr>
+        <p:style>
+          <a:lnRef idx="2">
+            <a:schemeClr val="accent1"/>
+          </a:lnRef>
+          <a:fillRef idx="0">
+            <a:schemeClr val="accent1"/>
+          </a:fillRef>
+          <a:effectRef idx="1">
+            <a:schemeClr val="accent1"/>
+          </a:effectRef>
+          <a:fontRef idx="minor">
+            <a:schemeClr val="tx1"/>
+          </a:fontRef>
+        </p:style>
+      </p:cxnSp>
     </p:spTree>
     <p:extLst>
       <p:ext uri="{BB962C8B-B14F-4D97-AF65-F5344CB8AC3E}">
-        <p14:creationId xmlns:p14="http://schemas.microsoft.com/office/powerpoint/2010/main" val="1631620122"/>
+        <p14:creationId xmlns:p14="http://schemas.microsoft.com/office/powerpoint/2010/main" val="3765662408"/>
       </p:ext>
     </p:extLst>
   </p:cSld>
@@ -4035,7 +4015,7 @@
         <p:cNvPr id="1" name="">
           <a:extLst>
             <a:ext uri="{FF2B5EF4-FFF2-40B4-BE49-F238E27FC236}">
-              <a16:creationId xmlns:a16="http://schemas.microsoft.com/office/drawing/2014/main" id="{7623A3B2-E00B-0A09-65EC-30A1DCB4F9C8}"/>
+              <a16:creationId xmlns:a16="http://schemas.microsoft.com/office/drawing/2014/main" id="{51F32507-DF90-5255-61D8-56C34549F622}"/>
             </a:ext>
           </a:extLst>
         </p:cNvPr>
@@ -4050,12 +4030,49 @@
           <a:chExt cx="0" cy="0"/>
         </a:xfrm>
       </p:grpSpPr>
+      <p:sp>
+        <p:nvSpPr>
+          <p:cNvPr id="2" name="제목 1">
+            <a:extLst>
+              <a:ext uri="{FF2B5EF4-FFF2-40B4-BE49-F238E27FC236}">
+                <a16:creationId xmlns:a16="http://schemas.microsoft.com/office/drawing/2014/main" id="{7013B550-3766-C29B-B74D-76599CADA20C}"/>
+              </a:ext>
+            </a:extLst>
+          </p:cNvPr>
+          <p:cNvSpPr>
+            <a:spLocks noGrp="1"/>
+          </p:cNvSpPr>
+          <p:nvPr>
+            <p:ph type="title"/>
+          </p:nvPr>
+        </p:nvSpPr>
+        <p:spPr/>
+        <p:txBody>
+          <a:bodyPr anchor="t"/>
+          <a:lstStyle/>
+          <a:p>
+            <a:r>
+              <a:rPr lang="en-US" altLang="ko-KR" dirty="0">
+                <a:solidFill>
+                  <a:schemeClr val="bg1">
+                    <a:lumMod val="50000"/>
+                  </a:schemeClr>
+                </a:solidFill>
+                <a:latin typeface="나눔스퀘어 ExtraBold" panose="020B0600000101010101" pitchFamily="50" charset="-127"/>
+                <a:ea typeface="나눔스퀘어 ExtraBold" panose="020B0600000101010101" pitchFamily="50" charset="-127"/>
+              </a:rPr>
+              <a:t>Contrast Down</a:t>
+            </a:r>
+            <a:endParaRPr lang="ko-KR" altLang="en-US" dirty="0"/>
+          </a:p>
+        </p:txBody>
+      </p:sp>
       <p:pic>
         <p:nvPicPr>
-          <p:cNvPr id="5" name="그림 4">
-            <a:extLst>
-              <a:ext uri="{FF2B5EF4-FFF2-40B4-BE49-F238E27FC236}">
-                <a16:creationId xmlns:a16="http://schemas.microsoft.com/office/drawing/2014/main" id="{9896A314-9F49-7E30-CCCB-3134A6E3CF35}"/>
+          <p:cNvPr id="4" name="그림 3">
+            <a:extLst>
+              <a:ext uri="{FF2B5EF4-FFF2-40B4-BE49-F238E27FC236}">
+                <a16:creationId xmlns:a16="http://schemas.microsoft.com/office/drawing/2014/main" id="{791CCC97-5EA7-40FA-91AC-78E361F760E8}"/>
               </a:ext>
             </a:extLst>
           </p:cNvPr>
@@ -4077,8 +4094,8 @@
         </p:blipFill>
         <p:spPr>
           <a:xfrm>
-            <a:off x="258656" y="256653"/>
-            <a:ext cx="3753213" cy="3064200"/>
+            <a:off x="838446" y="1643704"/>
+            <a:ext cx="2879512" cy="2351291"/>
           </a:xfrm>
           <a:prstGeom prst="rect">
             <a:avLst/>
@@ -4087,10 +4104,10 @@
       </p:pic>
       <p:pic>
         <p:nvPicPr>
-          <p:cNvPr id="7" name="그림 6">
-            <a:extLst>
-              <a:ext uri="{FF2B5EF4-FFF2-40B4-BE49-F238E27FC236}">
-                <a16:creationId xmlns:a16="http://schemas.microsoft.com/office/drawing/2014/main" id="{A7D46D49-2B21-426D-59DA-8E6EF72FE6FF}"/>
+          <p:cNvPr id="5" name="그림 4">
+            <a:extLst>
+              <a:ext uri="{FF2B5EF4-FFF2-40B4-BE49-F238E27FC236}">
+                <a16:creationId xmlns:a16="http://schemas.microsoft.com/office/drawing/2014/main" id="{FA044FE7-4464-683C-688C-3F320EC4B400}"/>
               </a:ext>
             </a:extLst>
           </p:cNvPr>
@@ -4112,8 +4129,8 @@
         </p:blipFill>
         <p:spPr>
           <a:xfrm>
-            <a:off x="4165152" y="256654"/>
-            <a:ext cx="3753212" cy="3071165"/>
+            <a:off x="3887796" y="1644331"/>
+            <a:ext cx="2872868" cy="2350528"/>
           </a:xfrm>
           <a:prstGeom prst="rect">
             <a:avLst/>
@@ -4122,10 +4139,10 @@
       </p:pic>
       <p:pic>
         <p:nvPicPr>
-          <p:cNvPr id="9" name="그림 8">
-            <a:extLst>
-              <a:ext uri="{FF2B5EF4-FFF2-40B4-BE49-F238E27FC236}">
-                <a16:creationId xmlns:a16="http://schemas.microsoft.com/office/drawing/2014/main" id="{8BAD0332-EB91-68A6-B48A-E1959488F6A9}"/>
+          <p:cNvPr id="6" name="그림 5">
+            <a:extLst>
+              <a:ext uri="{FF2B5EF4-FFF2-40B4-BE49-F238E27FC236}">
+                <a16:creationId xmlns:a16="http://schemas.microsoft.com/office/drawing/2014/main" id="{E028B3CA-3337-98FF-9F37-5699E6432913}"/>
               </a:ext>
             </a:extLst>
           </p:cNvPr>
@@ -4147,8 +4164,8 @@
         </p:blipFill>
         <p:spPr>
           <a:xfrm>
-            <a:off x="258657" y="3603071"/>
-            <a:ext cx="3753211" cy="3064200"/>
+            <a:off x="838445" y="4243279"/>
+            <a:ext cx="2879514" cy="2351292"/>
           </a:xfrm>
           <a:prstGeom prst="rect">
             <a:avLst/>
@@ -4157,10 +4174,10 @@
       </p:pic>
       <p:pic>
         <p:nvPicPr>
-          <p:cNvPr id="11" name="그림 10">
-            <a:extLst>
-              <a:ext uri="{FF2B5EF4-FFF2-40B4-BE49-F238E27FC236}">
-                <a16:creationId xmlns:a16="http://schemas.microsoft.com/office/drawing/2014/main" id="{7BF55C8D-A480-4A84-B7B4-F9D19A3E50FB}"/>
+          <p:cNvPr id="7" name="그림 6">
+            <a:extLst>
+              <a:ext uri="{FF2B5EF4-FFF2-40B4-BE49-F238E27FC236}">
+                <a16:creationId xmlns:a16="http://schemas.microsoft.com/office/drawing/2014/main" id="{8856FFEB-5190-A9F2-5C43-B55F1874272E}"/>
               </a:ext>
             </a:extLst>
           </p:cNvPr>
@@ -4182,8 +4199,8 @@
         </p:blipFill>
         <p:spPr>
           <a:xfrm>
-            <a:off x="4165152" y="3603070"/>
-            <a:ext cx="3753212" cy="3071165"/>
+            <a:off x="3887796" y="4243415"/>
+            <a:ext cx="2880000" cy="2356363"/>
           </a:xfrm>
           <a:prstGeom prst="rect">
             <a:avLst/>
@@ -4192,10 +4209,10 @@
       </p:pic>
       <p:cxnSp>
         <p:nvCxnSpPr>
-          <p:cNvPr id="13" name="연결선: 꺾임 12">
-            <a:extLst>
-              <a:ext uri="{FF2B5EF4-FFF2-40B4-BE49-F238E27FC236}">
-                <a16:creationId xmlns:a16="http://schemas.microsoft.com/office/drawing/2014/main" id="{33E8255E-8711-749A-5D39-66A7042BE04E}"/>
+          <p:cNvPr id="16" name="연결선: 꺾임 15">
+            <a:extLst>
+              <a:ext uri="{FF2B5EF4-FFF2-40B4-BE49-F238E27FC236}">
+                <a16:creationId xmlns:a16="http://schemas.microsoft.com/office/drawing/2014/main" id="{40BA4088-C6E0-4A98-F4AC-660D1D5A8BA4}"/>
               </a:ext>
             </a:extLst>
           </p:cNvPr>
@@ -4206,12 +4223,12 @@
         </p:nvCxnSpPr>
         <p:spPr>
           <a:xfrm>
-            <a:off x="7951875" y="1792237"/>
+            <a:off x="6785555" y="2438541"/>
             <a:ext cx="12700" cy="3346416"/>
           </a:xfrm>
           <a:prstGeom prst="bentConnector3">
             <a:avLst>
-              <a:gd name="adj1" fmla="val 3797906"/>
+              <a:gd name="adj1" fmla="val 6172772"/>
             </a:avLst>
           </a:prstGeom>
           <a:ln>
@@ -4238,10 +4255,10 @@
       </p:cxnSp>
       <p:sp>
         <p:nvSpPr>
-          <p:cNvPr id="15" name="TextBox 14">
-            <a:extLst>
-              <a:ext uri="{FF2B5EF4-FFF2-40B4-BE49-F238E27FC236}">
-                <a16:creationId xmlns:a16="http://schemas.microsoft.com/office/drawing/2014/main" id="{1803E4E5-CDF7-9D5A-45CD-FE81D4C2D030}"/>
+          <p:cNvPr id="17" name="TextBox 16">
+            <a:extLst>
+              <a:ext uri="{FF2B5EF4-FFF2-40B4-BE49-F238E27FC236}">
+                <a16:creationId xmlns:a16="http://schemas.microsoft.com/office/drawing/2014/main" id="{5155509F-E4C3-B611-C7F9-6B6109714744}"/>
               </a:ext>
             </a:extLst>
           </p:cNvPr>
@@ -4250,8 +4267,8 @@
         </p:nvSpPr>
         <p:spPr>
           <a:xfrm>
-            <a:off x="8780155" y="3301783"/>
-            <a:ext cx="2984234" cy="369332"/>
+            <a:off x="7925018" y="2542559"/>
+            <a:ext cx="2047208" cy="369332"/>
           </a:xfrm>
           <a:prstGeom prst="rect">
             <a:avLst/>
@@ -4264,7 +4281,6 @@
           </a:bodyPr>
           <a:lstStyle/>
           <a:p>
-            <a:pPr algn="ctr"/>
             <a:r>
               <a:rPr lang="en-US" altLang="ko-KR" b="1" dirty="0">
                 <a:solidFill>
@@ -4273,18 +4289,15 @@
                 <a:latin typeface="나눔스퀘어 ExtraBold" panose="020B0600000101010101" pitchFamily="50" charset="-127"/>
                 <a:ea typeface="나눔스퀘어 ExtraBold" panose="020B0600000101010101" pitchFamily="50" charset="-127"/>
               </a:rPr>
-              <a:t>Contrast Down 5 </a:t>
-            </a:r>
-            <a:r>
-              <a:rPr lang="ko-KR" altLang="en-US" b="1" dirty="0">
-                <a:solidFill>
-                  <a:srgbClr val="FF0000"/>
-                </a:solidFill>
-                <a:latin typeface="나눔스퀘어 ExtraBold" panose="020B0600000101010101" pitchFamily="50" charset="-127"/>
-                <a:ea typeface="나눔스퀘어 ExtraBold" panose="020B0600000101010101" pitchFamily="50" charset="-127"/>
-              </a:rPr>
-              <a:t>적용 결과</a:t>
-            </a:r>
+              <a:t>Contrast Down 5</a:t>
+            </a:r>
+            <a:endParaRPr lang="ko-KR" altLang="en-US" b="1" dirty="0">
+              <a:solidFill>
+                <a:srgbClr val="FF0000"/>
+              </a:solidFill>
+              <a:latin typeface="나눔스퀘어 ExtraBold" panose="020B0600000101010101" pitchFamily="50" charset="-127"/>
+              <a:ea typeface="나눔스퀘어 ExtraBold" panose="020B0600000101010101" pitchFamily="50" charset="-127"/>
+            </a:endParaRPr>
           </a:p>
         </p:txBody>
       </p:sp>
@@ -4293,7 +4306,7 @@
           <p:cNvPr id="18" name="직선 연결선 17">
             <a:extLst>
               <a:ext uri="{FF2B5EF4-FFF2-40B4-BE49-F238E27FC236}">
-                <a16:creationId xmlns:a16="http://schemas.microsoft.com/office/drawing/2014/main" id="{A477D300-2CB6-8DB5-F5D4-DDEC55C7D998}"/>
+                <a16:creationId xmlns:a16="http://schemas.microsoft.com/office/drawing/2014/main" id="{FB02C343-6F77-7F53-6D2B-9638682FFA32}"/>
               </a:ext>
             </a:extLst>
           </p:cNvPr>
@@ -4304,7 +4317,7 @@
         </p:nvCxnSpPr>
         <p:spPr>
           <a:xfrm flipH="1">
-            <a:off x="8430672" y="3486449"/>
+            <a:off x="7575535" y="2727225"/>
             <a:ext cx="349483" cy="0"/>
           </a:xfrm>
           <a:prstGeom prst="line">
@@ -4331,36 +4344,65 @@
           </a:fontRef>
         </p:style>
       </p:cxnSp>
-      <p:sp>
-        <p:nvSpPr>
-          <p:cNvPr id="2" name="TextBox 1">
-            <a:extLst>
-              <a:ext uri="{FF2B5EF4-FFF2-40B4-BE49-F238E27FC236}">
-                <a16:creationId xmlns:a16="http://schemas.microsoft.com/office/drawing/2014/main" id="{155A3E50-7FF6-7745-B10E-CC449053F022}"/>
-              </a:ext>
-            </a:extLst>
-          </p:cNvPr>
-          <p:cNvSpPr txBox="1"/>
-          <p:nvPr/>
-        </p:nvSpPr>
-        <p:spPr>
-          <a:xfrm>
-            <a:off x="8025163" y="256653"/>
-            <a:ext cx="4047390" cy="646331"/>
-          </a:xfrm>
-          <a:prstGeom prst="rect">
-            <a:avLst/>
-          </a:prstGeom>
-          <a:noFill/>
-        </p:spPr>
-        <p:txBody>
-          <a:bodyPr wrap="none" rtlCol="0">
-            <a:spAutoFit/>
-          </a:bodyPr>
-          <a:lstStyle/>
-          <a:p>
-            <a:r>
-              <a:rPr lang="en-US" altLang="ko-KR" sz="3600" dirty="0">
+    </p:spTree>
+    <p:extLst>
+      <p:ext uri="{BB962C8B-B14F-4D97-AF65-F5344CB8AC3E}">
+        <p14:creationId xmlns:p14="http://schemas.microsoft.com/office/powerpoint/2010/main" val="3561162182"/>
+      </p:ext>
+    </p:extLst>
+  </p:cSld>
+  <p:clrMapOvr>
+    <a:masterClrMapping/>
+  </p:clrMapOvr>
+</p:sld>
+</file>
+
+<file path=ppt/slides/slide3.xml><?xml version="1.0" encoding="utf-8"?>
+<p:sld xmlns:a="http://schemas.openxmlformats.org/drawingml/2006/main" xmlns:r="http://schemas.openxmlformats.org/officeDocument/2006/relationships" xmlns:p="http://schemas.openxmlformats.org/presentationml/2006/main">
+  <p:cSld>
+    <p:spTree>
+      <p:nvGrpSpPr>
+        <p:cNvPr id="1" name="">
+          <a:extLst>
+            <a:ext uri="{FF2B5EF4-FFF2-40B4-BE49-F238E27FC236}">
+              <a16:creationId xmlns:a16="http://schemas.microsoft.com/office/drawing/2014/main" id="{A324F010-9296-EE49-47C7-B8337D5B0F48}"/>
+            </a:ext>
+          </a:extLst>
+        </p:cNvPr>
+        <p:cNvGrpSpPr/>
+        <p:nvPr/>
+      </p:nvGrpSpPr>
+      <p:grpSpPr>
+        <a:xfrm>
+          <a:off x="0" y="0"/>
+          <a:ext cx="0" cy="0"/>
+          <a:chOff x="0" y="0"/>
+          <a:chExt cx="0" cy="0"/>
+        </a:xfrm>
+      </p:grpSpPr>
+      <p:sp>
+        <p:nvSpPr>
+          <p:cNvPr id="2" name="제목 1">
+            <a:extLst>
+              <a:ext uri="{FF2B5EF4-FFF2-40B4-BE49-F238E27FC236}">
+                <a16:creationId xmlns:a16="http://schemas.microsoft.com/office/drawing/2014/main" id="{1BAEB0DD-7F66-7D45-BC2F-87B8AE40B18D}"/>
+              </a:ext>
+            </a:extLst>
+          </p:cNvPr>
+          <p:cNvSpPr>
+            <a:spLocks noGrp="1"/>
+          </p:cNvSpPr>
+          <p:nvPr>
+            <p:ph type="title"/>
+          </p:nvPr>
+        </p:nvSpPr>
+        <p:spPr/>
+        <p:txBody>
+          <a:bodyPr anchor="t"/>
+          <a:lstStyle/>
+          <a:p>
+            <a:r>
+              <a:rPr lang="en-US" altLang="ko-KR" dirty="0">
                 <a:solidFill>
                   <a:schemeClr val="bg1">
                     <a:lumMod val="50000"/>
@@ -4369,10 +4411,348 @@
                 <a:latin typeface="나눔스퀘어 ExtraBold" panose="020B0600000101010101" pitchFamily="50" charset="-127"/>
                 <a:ea typeface="나눔스퀘어 ExtraBold" panose="020B0600000101010101" pitchFamily="50" charset="-127"/>
               </a:rPr>
-              <a:t>Contrast </a:t>
-            </a:r>
-            <a:r>
-              <a:rPr lang="ko-KR" altLang="en-US" sz="3600" dirty="0">
+              <a:t>Brightness Up</a:t>
+            </a:r>
+            <a:endParaRPr lang="ko-KR" altLang="en-US" dirty="0"/>
+          </a:p>
+        </p:txBody>
+      </p:sp>
+      <p:pic>
+        <p:nvPicPr>
+          <p:cNvPr id="4" name="그림 3">
+            <a:extLst>
+              <a:ext uri="{FF2B5EF4-FFF2-40B4-BE49-F238E27FC236}">
+                <a16:creationId xmlns:a16="http://schemas.microsoft.com/office/drawing/2014/main" id="{09B5066E-0E60-65C6-9A0A-A6D4B5ED387D}"/>
+              </a:ext>
+            </a:extLst>
+          </p:cNvPr>
+          <p:cNvPicPr>
+            <a:picLocks noChangeAspect="1"/>
+          </p:cNvPicPr>
+          <p:nvPr/>
+        </p:nvPicPr>
+        <p:blipFill>
+          <a:blip r:embed="rId2">
+            <a:extLst>
+              <a:ext uri="{28A0092B-C50C-407E-A947-70E740481C1C}">
+                <a14:useLocalDpi xmlns:a14="http://schemas.microsoft.com/office/drawing/2010/main" val="0"/>
+              </a:ext>
+            </a:extLst>
+          </a:blip>
+          <a:srcRect/>
+          <a:stretch/>
+        </p:blipFill>
+        <p:spPr>
+          <a:xfrm>
+            <a:off x="838202" y="1643704"/>
+            <a:ext cx="2880000" cy="2351291"/>
+          </a:xfrm>
+          <a:prstGeom prst="rect">
+            <a:avLst/>
+          </a:prstGeom>
+        </p:spPr>
+      </p:pic>
+      <p:pic>
+        <p:nvPicPr>
+          <p:cNvPr id="5" name="그림 4">
+            <a:extLst>
+              <a:ext uri="{FF2B5EF4-FFF2-40B4-BE49-F238E27FC236}">
+                <a16:creationId xmlns:a16="http://schemas.microsoft.com/office/drawing/2014/main" id="{1DEB502D-2384-E83E-C1EE-E0A4BF77518C}"/>
+              </a:ext>
+            </a:extLst>
+          </p:cNvPr>
+          <p:cNvPicPr>
+            <a:picLocks noChangeAspect="1"/>
+          </p:cNvPicPr>
+          <p:nvPr/>
+        </p:nvPicPr>
+        <p:blipFill>
+          <a:blip r:embed="rId3">
+            <a:extLst>
+              <a:ext uri="{28A0092B-C50C-407E-A947-70E740481C1C}">
+                <a14:useLocalDpi xmlns:a14="http://schemas.microsoft.com/office/drawing/2010/main" val="0"/>
+              </a:ext>
+            </a:extLst>
+          </a:blip>
+          <a:srcRect/>
+          <a:stretch/>
+        </p:blipFill>
+        <p:spPr>
+          <a:xfrm>
+            <a:off x="3887796" y="1644195"/>
+            <a:ext cx="2872868" cy="2350800"/>
+          </a:xfrm>
+          <a:prstGeom prst="rect">
+            <a:avLst/>
+          </a:prstGeom>
+        </p:spPr>
+      </p:pic>
+      <p:pic>
+        <p:nvPicPr>
+          <p:cNvPr id="6" name="그림 5">
+            <a:extLst>
+              <a:ext uri="{FF2B5EF4-FFF2-40B4-BE49-F238E27FC236}">
+                <a16:creationId xmlns:a16="http://schemas.microsoft.com/office/drawing/2014/main" id="{252C3227-2787-040B-EEB0-AC04E53B8258}"/>
+              </a:ext>
+            </a:extLst>
+          </p:cNvPr>
+          <p:cNvPicPr>
+            <a:picLocks noChangeAspect="1"/>
+          </p:cNvPicPr>
+          <p:nvPr/>
+        </p:nvPicPr>
+        <p:blipFill>
+          <a:blip r:embed="rId4">
+            <a:extLst>
+              <a:ext uri="{28A0092B-C50C-407E-A947-70E740481C1C}">
+                <a14:useLocalDpi xmlns:a14="http://schemas.microsoft.com/office/drawing/2010/main" val="0"/>
+              </a:ext>
+            </a:extLst>
+          </a:blip>
+          <a:srcRect/>
+          <a:stretch/>
+        </p:blipFill>
+        <p:spPr>
+          <a:xfrm>
+            <a:off x="840011" y="4243279"/>
+            <a:ext cx="2876382" cy="2351292"/>
+          </a:xfrm>
+          <a:prstGeom prst="rect">
+            <a:avLst/>
+          </a:prstGeom>
+        </p:spPr>
+      </p:pic>
+      <p:pic>
+        <p:nvPicPr>
+          <p:cNvPr id="7" name="그림 6">
+            <a:extLst>
+              <a:ext uri="{FF2B5EF4-FFF2-40B4-BE49-F238E27FC236}">
+                <a16:creationId xmlns:a16="http://schemas.microsoft.com/office/drawing/2014/main" id="{3D88CCEB-AECD-A2E9-01ED-DC475F5CEBD4}"/>
+              </a:ext>
+            </a:extLst>
+          </p:cNvPr>
+          <p:cNvPicPr>
+            <a:picLocks noChangeAspect="1"/>
+          </p:cNvPicPr>
+          <p:nvPr/>
+        </p:nvPicPr>
+        <p:blipFill>
+          <a:blip r:embed="rId5">
+            <a:extLst>
+              <a:ext uri="{28A0092B-C50C-407E-A947-70E740481C1C}">
+                <a14:useLocalDpi xmlns:a14="http://schemas.microsoft.com/office/drawing/2010/main" val="0"/>
+              </a:ext>
+            </a:extLst>
+          </a:blip>
+          <a:srcRect/>
+          <a:stretch/>
+        </p:blipFill>
+        <p:spPr>
+          <a:xfrm>
+            <a:off x="3887796" y="4243279"/>
+            <a:ext cx="2880000" cy="2356635"/>
+          </a:xfrm>
+          <a:prstGeom prst="rect">
+            <a:avLst/>
+          </a:prstGeom>
+        </p:spPr>
+      </p:pic>
+      <p:cxnSp>
+        <p:nvCxnSpPr>
+          <p:cNvPr id="16" name="연결선: 꺾임 15">
+            <a:extLst>
+              <a:ext uri="{FF2B5EF4-FFF2-40B4-BE49-F238E27FC236}">
+                <a16:creationId xmlns:a16="http://schemas.microsoft.com/office/drawing/2014/main" id="{BD728C37-93B1-A27E-ED28-4F70084FA2BE}"/>
+              </a:ext>
+            </a:extLst>
+          </p:cNvPr>
+          <p:cNvCxnSpPr>
+            <a:cxnSpLocks/>
+          </p:cNvCxnSpPr>
+          <p:nvPr/>
+        </p:nvCxnSpPr>
+        <p:spPr>
+          <a:xfrm>
+            <a:off x="6785555" y="2438541"/>
+            <a:ext cx="12700" cy="3346416"/>
+          </a:xfrm>
+          <a:prstGeom prst="bentConnector3">
+            <a:avLst>
+              <a:gd name="adj1" fmla="val 6172772"/>
+            </a:avLst>
+          </a:prstGeom>
+          <a:ln>
+            <a:solidFill>
+              <a:srgbClr val="FF0000"/>
+            </a:solidFill>
+            <a:tailEnd type="triangle"/>
+          </a:ln>
+        </p:spPr>
+        <p:style>
+          <a:lnRef idx="2">
+            <a:schemeClr val="accent2"/>
+          </a:lnRef>
+          <a:fillRef idx="0">
+            <a:schemeClr val="accent2"/>
+          </a:fillRef>
+          <a:effectRef idx="1">
+            <a:schemeClr val="accent2"/>
+          </a:effectRef>
+          <a:fontRef idx="minor">
+            <a:schemeClr val="tx1"/>
+          </a:fontRef>
+        </p:style>
+      </p:cxnSp>
+      <p:sp>
+        <p:nvSpPr>
+          <p:cNvPr id="17" name="TextBox 16">
+            <a:extLst>
+              <a:ext uri="{FF2B5EF4-FFF2-40B4-BE49-F238E27FC236}">
+                <a16:creationId xmlns:a16="http://schemas.microsoft.com/office/drawing/2014/main" id="{7610FD46-99ED-EB27-62F3-3F982F24C12D}"/>
+              </a:ext>
+            </a:extLst>
+          </p:cNvPr>
+          <p:cNvSpPr txBox="1"/>
+          <p:nvPr/>
+        </p:nvSpPr>
+        <p:spPr>
+          <a:xfrm>
+            <a:off x="7925017" y="2542559"/>
+            <a:ext cx="2377541" cy="369332"/>
+          </a:xfrm>
+          <a:prstGeom prst="rect">
+            <a:avLst/>
+          </a:prstGeom>
+          <a:noFill/>
+        </p:spPr>
+        <p:txBody>
+          <a:bodyPr wrap="square" rtlCol="0">
+            <a:spAutoFit/>
+          </a:bodyPr>
+          <a:lstStyle/>
+          <a:p>
+            <a:r>
+              <a:rPr lang="en-US" altLang="ko-KR" b="1" dirty="0">
+                <a:solidFill>
+                  <a:srgbClr val="FF0000"/>
+                </a:solidFill>
+                <a:latin typeface="나눔스퀘어 ExtraBold" panose="020B0600000101010101" pitchFamily="50" charset="-127"/>
+                <a:ea typeface="나눔스퀘어 ExtraBold" panose="020B0600000101010101" pitchFamily="50" charset="-127"/>
+              </a:rPr>
+              <a:t>Brightness Up 100</a:t>
+            </a:r>
+            <a:endParaRPr lang="ko-KR" altLang="en-US" b="1" dirty="0">
+              <a:solidFill>
+                <a:srgbClr val="FF0000"/>
+              </a:solidFill>
+              <a:latin typeface="나눔스퀘어 ExtraBold" panose="020B0600000101010101" pitchFamily="50" charset="-127"/>
+              <a:ea typeface="나눔스퀘어 ExtraBold" panose="020B0600000101010101" pitchFamily="50" charset="-127"/>
+            </a:endParaRPr>
+          </a:p>
+        </p:txBody>
+      </p:sp>
+      <p:cxnSp>
+        <p:nvCxnSpPr>
+          <p:cNvPr id="18" name="직선 연결선 17">
+            <a:extLst>
+              <a:ext uri="{FF2B5EF4-FFF2-40B4-BE49-F238E27FC236}">
+                <a16:creationId xmlns:a16="http://schemas.microsoft.com/office/drawing/2014/main" id="{A2F3ACE2-0CC4-1F59-28FD-1B456572DE6F}"/>
+              </a:ext>
+            </a:extLst>
+          </p:cNvPr>
+          <p:cNvCxnSpPr>
+            <a:cxnSpLocks/>
+          </p:cNvCxnSpPr>
+          <p:nvPr/>
+        </p:nvCxnSpPr>
+        <p:spPr>
+          <a:xfrm flipH="1">
+            <a:off x="7575535" y="2727225"/>
+            <a:ext cx="349483" cy="0"/>
+          </a:xfrm>
+          <a:prstGeom prst="line">
+            <a:avLst/>
+          </a:prstGeom>
+          <a:ln>
+            <a:solidFill>
+              <a:srgbClr val="FF0000"/>
+            </a:solidFill>
+          </a:ln>
+        </p:spPr>
+        <p:style>
+          <a:lnRef idx="2">
+            <a:schemeClr val="accent1"/>
+          </a:lnRef>
+          <a:fillRef idx="0">
+            <a:schemeClr val="accent1"/>
+          </a:fillRef>
+          <a:effectRef idx="1">
+            <a:schemeClr val="accent1"/>
+          </a:effectRef>
+          <a:fontRef idx="minor">
+            <a:schemeClr val="tx1"/>
+          </a:fontRef>
+        </p:style>
+      </p:cxnSp>
+    </p:spTree>
+    <p:extLst>
+      <p:ext uri="{BB962C8B-B14F-4D97-AF65-F5344CB8AC3E}">
+        <p14:creationId xmlns:p14="http://schemas.microsoft.com/office/powerpoint/2010/main" val="2026684513"/>
+      </p:ext>
+    </p:extLst>
+  </p:cSld>
+  <p:clrMapOvr>
+    <a:masterClrMapping/>
+  </p:clrMapOvr>
+</p:sld>
+</file>
+
+<file path=ppt/slides/slide4.xml><?xml version="1.0" encoding="utf-8"?>
+<p:sld xmlns:a="http://schemas.openxmlformats.org/drawingml/2006/main" xmlns:r="http://schemas.openxmlformats.org/officeDocument/2006/relationships" xmlns:p="http://schemas.openxmlformats.org/presentationml/2006/main">
+  <p:cSld>
+    <p:spTree>
+      <p:nvGrpSpPr>
+        <p:cNvPr id="1" name="">
+          <a:extLst>
+            <a:ext uri="{FF2B5EF4-FFF2-40B4-BE49-F238E27FC236}">
+              <a16:creationId xmlns:a16="http://schemas.microsoft.com/office/drawing/2014/main" id="{EB9BF9B2-9431-11E7-0925-A3CC6BCBF6CF}"/>
+            </a:ext>
+          </a:extLst>
+        </p:cNvPr>
+        <p:cNvGrpSpPr/>
+        <p:nvPr/>
+      </p:nvGrpSpPr>
+      <p:grpSpPr>
+        <a:xfrm>
+          <a:off x="0" y="0"/>
+          <a:ext cx="0" cy="0"/>
+          <a:chOff x="0" y="0"/>
+          <a:chExt cx="0" cy="0"/>
+        </a:xfrm>
+      </p:grpSpPr>
+      <p:sp>
+        <p:nvSpPr>
+          <p:cNvPr id="2" name="제목 1">
+            <a:extLst>
+              <a:ext uri="{FF2B5EF4-FFF2-40B4-BE49-F238E27FC236}">
+                <a16:creationId xmlns:a16="http://schemas.microsoft.com/office/drawing/2014/main" id="{669F8262-0E89-163F-30D1-5E40649522A0}"/>
+              </a:ext>
+            </a:extLst>
+          </p:cNvPr>
+          <p:cNvSpPr>
+            <a:spLocks noGrp="1"/>
+          </p:cNvSpPr>
+          <p:nvPr>
+            <p:ph type="title"/>
+          </p:nvPr>
+        </p:nvSpPr>
+        <p:spPr/>
+        <p:txBody>
+          <a:bodyPr anchor="t"/>
+          <a:lstStyle/>
+          <a:p>
+            <a:r>
+              <a:rPr lang="en-US" altLang="ko-KR" dirty="0">
                 <a:solidFill>
                   <a:schemeClr val="bg1">
                     <a:lumMod val="50000"/>
@@ -4381,15 +4761,293 @@
                 <a:latin typeface="나눔스퀘어 ExtraBold" panose="020B0600000101010101" pitchFamily="50" charset="-127"/>
                 <a:ea typeface="나눔스퀘어 ExtraBold" panose="020B0600000101010101" pitchFamily="50" charset="-127"/>
               </a:rPr>
-              <a:t>적용 결과</a:t>
-            </a:r>
-          </a:p>
-        </p:txBody>
-      </p:sp>
+              <a:t>Brightness Down</a:t>
+            </a:r>
+            <a:endParaRPr lang="ko-KR" altLang="en-US" dirty="0"/>
+          </a:p>
+        </p:txBody>
+      </p:sp>
+      <p:pic>
+        <p:nvPicPr>
+          <p:cNvPr id="4" name="그림 3">
+            <a:extLst>
+              <a:ext uri="{FF2B5EF4-FFF2-40B4-BE49-F238E27FC236}">
+                <a16:creationId xmlns:a16="http://schemas.microsoft.com/office/drawing/2014/main" id="{1B29DA7E-8EC4-B0CA-1836-B80B31130DFB}"/>
+              </a:ext>
+            </a:extLst>
+          </p:cNvPr>
+          <p:cNvPicPr>
+            <a:picLocks noChangeAspect="1"/>
+          </p:cNvPicPr>
+          <p:nvPr/>
+        </p:nvPicPr>
+        <p:blipFill>
+          <a:blip r:embed="rId2">
+            <a:extLst>
+              <a:ext uri="{28A0092B-C50C-407E-A947-70E740481C1C}">
+                <a14:useLocalDpi xmlns:a14="http://schemas.microsoft.com/office/drawing/2010/main" val="0"/>
+              </a:ext>
+            </a:extLst>
+          </a:blip>
+          <a:srcRect/>
+          <a:stretch/>
+        </p:blipFill>
+        <p:spPr>
+          <a:xfrm>
+            <a:off x="838202" y="1643704"/>
+            <a:ext cx="2880000" cy="2351291"/>
+          </a:xfrm>
+          <a:prstGeom prst="rect">
+            <a:avLst/>
+          </a:prstGeom>
+        </p:spPr>
+      </p:pic>
+      <p:pic>
+        <p:nvPicPr>
+          <p:cNvPr id="5" name="그림 4">
+            <a:extLst>
+              <a:ext uri="{FF2B5EF4-FFF2-40B4-BE49-F238E27FC236}">
+                <a16:creationId xmlns:a16="http://schemas.microsoft.com/office/drawing/2014/main" id="{F287ED03-8D8E-F771-0089-5F0EAD2CD939}"/>
+              </a:ext>
+            </a:extLst>
+          </p:cNvPr>
+          <p:cNvPicPr>
+            <a:picLocks noChangeAspect="1"/>
+          </p:cNvPicPr>
+          <p:nvPr/>
+        </p:nvPicPr>
+        <p:blipFill>
+          <a:blip r:embed="rId3">
+            <a:extLst>
+              <a:ext uri="{28A0092B-C50C-407E-A947-70E740481C1C}">
+                <a14:useLocalDpi xmlns:a14="http://schemas.microsoft.com/office/drawing/2010/main" val="0"/>
+              </a:ext>
+            </a:extLst>
+          </a:blip>
+          <a:srcRect/>
+          <a:stretch/>
+        </p:blipFill>
+        <p:spPr>
+          <a:xfrm>
+            <a:off x="3887796" y="1644195"/>
+            <a:ext cx="2872868" cy="2350800"/>
+          </a:xfrm>
+          <a:prstGeom prst="rect">
+            <a:avLst/>
+          </a:prstGeom>
+        </p:spPr>
+      </p:pic>
+      <p:pic>
+        <p:nvPicPr>
+          <p:cNvPr id="6" name="그림 5">
+            <a:extLst>
+              <a:ext uri="{FF2B5EF4-FFF2-40B4-BE49-F238E27FC236}">
+                <a16:creationId xmlns:a16="http://schemas.microsoft.com/office/drawing/2014/main" id="{81893E31-F0E4-537B-E95A-49B9DA5B0FBD}"/>
+              </a:ext>
+            </a:extLst>
+          </p:cNvPr>
+          <p:cNvPicPr>
+            <a:picLocks noChangeAspect="1"/>
+          </p:cNvPicPr>
+          <p:nvPr/>
+        </p:nvPicPr>
+        <p:blipFill>
+          <a:blip r:embed="rId4">
+            <a:extLst>
+              <a:ext uri="{28A0092B-C50C-407E-A947-70E740481C1C}">
+                <a14:useLocalDpi xmlns:a14="http://schemas.microsoft.com/office/drawing/2010/main" val="0"/>
+              </a:ext>
+            </a:extLst>
+          </a:blip>
+          <a:srcRect/>
+          <a:stretch/>
+        </p:blipFill>
+        <p:spPr>
+          <a:xfrm>
+            <a:off x="840011" y="4243279"/>
+            <a:ext cx="2876382" cy="2351291"/>
+          </a:xfrm>
+          <a:prstGeom prst="rect">
+            <a:avLst/>
+          </a:prstGeom>
+        </p:spPr>
+      </p:pic>
+      <p:pic>
+        <p:nvPicPr>
+          <p:cNvPr id="7" name="그림 6">
+            <a:extLst>
+              <a:ext uri="{FF2B5EF4-FFF2-40B4-BE49-F238E27FC236}">
+                <a16:creationId xmlns:a16="http://schemas.microsoft.com/office/drawing/2014/main" id="{FA4E8334-5C7C-EA6C-0BC6-33B5635BD58A}"/>
+              </a:ext>
+            </a:extLst>
+          </p:cNvPr>
+          <p:cNvPicPr>
+            <a:picLocks noChangeAspect="1"/>
+          </p:cNvPicPr>
+          <p:nvPr/>
+        </p:nvPicPr>
+        <p:blipFill>
+          <a:blip r:embed="rId5">
+            <a:extLst>
+              <a:ext uri="{28A0092B-C50C-407E-A947-70E740481C1C}">
+                <a14:useLocalDpi xmlns:a14="http://schemas.microsoft.com/office/drawing/2010/main" val="0"/>
+              </a:ext>
+            </a:extLst>
+          </a:blip>
+          <a:srcRect/>
+          <a:stretch/>
+        </p:blipFill>
+        <p:spPr>
+          <a:xfrm>
+            <a:off x="3887796" y="4243279"/>
+            <a:ext cx="2879999" cy="2356635"/>
+          </a:xfrm>
+          <a:prstGeom prst="rect">
+            <a:avLst/>
+          </a:prstGeom>
+        </p:spPr>
+      </p:pic>
+      <p:cxnSp>
+        <p:nvCxnSpPr>
+          <p:cNvPr id="16" name="연결선: 꺾임 15">
+            <a:extLst>
+              <a:ext uri="{FF2B5EF4-FFF2-40B4-BE49-F238E27FC236}">
+                <a16:creationId xmlns:a16="http://schemas.microsoft.com/office/drawing/2014/main" id="{0490C9FB-D973-9CF5-90EB-7A9129F0D193}"/>
+              </a:ext>
+            </a:extLst>
+          </p:cNvPr>
+          <p:cNvCxnSpPr>
+            <a:cxnSpLocks/>
+          </p:cNvCxnSpPr>
+          <p:nvPr/>
+        </p:nvCxnSpPr>
+        <p:spPr>
+          <a:xfrm>
+            <a:off x="6785555" y="2438541"/>
+            <a:ext cx="12700" cy="3346416"/>
+          </a:xfrm>
+          <a:prstGeom prst="bentConnector3">
+            <a:avLst>
+              <a:gd name="adj1" fmla="val 6172772"/>
+            </a:avLst>
+          </a:prstGeom>
+          <a:ln>
+            <a:solidFill>
+              <a:srgbClr val="FF0000"/>
+            </a:solidFill>
+            <a:tailEnd type="triangle"/>
+          </a:ln>
+        </p:spPr>
+        <p:style>
+          <a:lnRef idx="2">
+            <a:schemeClr val="accent2"/>
+          </a:lnRef>
+          <a:fillRef idx="0">
+            <a:schemeClr val="accent2"/>
+          </a:fillRef>
+          <a:effectRef idx="1">
+            <a:schemeClr val="accent2"/>
+          </a:effectRef>
+          <a:fontRef idx="minor">
+            <a:schemeClr val="tx1"/>
+          </a:fontRef>
+        </p:style>
+      </p:cxnSp>
+      <p:sp>
+        <p:nvSpPr>
+          <p:cNvPr id="17" name="TextBox 16">
+            <a:extLst>
+              <a:ext uri="{FF2B5EF4-FFF2-40B4-BE49-F238E27FC236}">
+                <a16:creationId xmlns:a16="http://schemas.microsoft.com/office/drawing/2014/main" id="{340D8E32-9A77-F3A4-39C8-25F1C583A04E}"/>
+              </a:ext>
+            </a:extLst>
+          </p:cNvPr>
+          <p:cNvSpPr txBox="1"/>
+          <p:nvPr/>
+        </p:nvSpPr>
+        <p:spPr>
+          <a:xfrm>
+            <a:off x="7925017" y="2542559"/>
+            <a:ext cx="3923883" cy="369332"/>
+          </a:xfrm>
+          <a:prstGeom prst="rect">
+            <a:avLst/>
+          </a:prstGeom>
+          <a:noFill/>
+        </p:spPr>
+        <p:txBody>
+          <a:bodyPr wrap="square" rtlCol="0">
+            <a:spAutoFit/>
+          </a:bodyPr>
+          <a:lstStyle/>
+          <a:p>
+            <a:r>
+              <a:rPr lang="en-US" altLang="ko-KR" b="1" dirty="0">
+                <a:solidFill>
+                  <a:srgbClr val="FF0000"/>
+                </a:solidFill>
+                <a:latin typeface="나눔스퀘어 ExtraBold" panose="020B0600000101010101" pitchFamily="50" charset="-127"/>
+                <a:ea typeface="나눔스퀘어 ExtraBold" panose="020B0600000101010101" pitchFamily="50" charset="-127"/>
+              </a:rPr>
+              <a:t>Brightness Down 40</a:t>
+            </a:r>
+            <a:endParaRPr lang="ko-KR" altLang="en-US" b="1" dirty="0">
+              <a:solidFill>
+                <a:srgbClr val="FF0000"/>
+              </a:solidFill>
+              <a:latin typeface="나눔스퀘어 ExtraBold" panose="020B0600000101010101" pitchFamily="50" charset="-127"/>
+              <a:ea typeface="나눔스퀘어 ExtraBold" panose="020B0600000101010101" pitchFamily="50" charset="-127"/>
+            </a:endParaRPr>
+          </a:p>
+        </p:txBody>
+      </p:sp>
+      <p:cxnSp>
+        <p:nvCxnSpPr>
+          <p:cNvPr id="18" name="직선 연결선 17">
+            <a:extLst>
+              <a:ext uri="{FF2B5EF4-FFF2-40B4-BE49-F238E27FC236}">
+                <a16:creationId xmlns:a16="http://schemas.microsoft.com/office/drawing/2014/main" id="{7F3E10B3-3684-9389-F114-7A99286F79C2}"/>
+              </a:ext>
+            </a:extLst>
+          </p:cNvPr>
+          <p:cNvCxnSpPr>
+            <a:cxnSpLocks/>
+          </p:cNvCxnSpPr>
+          <p:nvPr/>
+        </p:nvCxnSpPr>
+        <p:spPr>
+          <a:xfrm flipH="1">
+            <a:off x="7575535" y="2727225"/>
+            <a:ext cx="349483" cy="0"/>
+          </a:xfrm>
+          <a:prstGeom prst="line">
+            <a:avLst/>
+          </a:prstGeom>
+          <a:ln>
+            <a:solidFill>
+              <a:srgbClr val="FF0000"/>
+            </a:solidFill>
+          </a:ln>
+        </p:spPr>
+        <p:style>
+          <a:lnRef idx="2">
+            <a:schemeClr val="accent1"/>
+          </a:lnRef>
+          <a:fillRef idx="0">
+            <a:schemeClr val="accent1"/>
+          </a:fillRef>
+          <a:effectRef idx="1">
+            <a:schemeClr val="accent1"/>
+          </a:effectRef>
+          <a:fontRef idx="minor">
+            <a:schemeClr val="tx1"/>
+          </a:fontRef>
+        </p:style>
+      </p:cxnSp>
     </p:spTree>
     <p:extLst>
       <p:ext uri="{BB962C8B-B14F-4D97-AF65-F5344CB8AC3E}">
-        <p14:creationId xmlns:p14="http://schemas.microsoft.com/office/powerpoint/2010/main" val="245320972"/>
+        <p14:creationId xmlns:p14="http://schemas.microsoft.com/office/powerpoint/2010/main" val="435870857"/>
       </p:ext>
     </p:extLst>
   </p:cSld>
